--- a/spring12/slidesS12/time-to-fail.pptx
+++ b/spring12/slidesS12/time-to-fail.pptx
@@ -2127,7 +2127,11 @@
             </a:r>
             <a:r>
               <a:rPr lang="en-US" dirty="0" smtClean="0"/>
-              <a:t> 12W.</a:t>
+              <a:t> </a:t>
+            </a:r>
+            <a:r>
+              <a:rPr lang="en-US" dirty="0" smtClean="0"/>
+              <a:t>12F.</a:t>
             </a:r>
             <a:fld id="{FC9265C7-2444-489D-860F-86AAC4235083}" type="slidenum">
               <a:rPr lang="en-US" smtClean="0"/>
@@ -2302,7 +2306,11 @@
             </a:r>
             <a:r>
               <a:rPr lang="en-US" dirty="0" smtClean="0"/>
-              <a:t> 12W.</a:t>
+              <a:t> </a:t>
+            </a:r>
+            <a:r>
+              <a:rPr lang="en-US" dirty="0" smtClean="0"/>
+              <a:t>12F.</a:t>
             </a:r>
             <a:fld id="{7886A709-CED2-48A3-8616-B2655C008ECB}" type="slidenum">
               <a:rPr lang="en-US" smtClean="0"/>
@@ -2398,7 +2406,11 @@
             </a:r>
             <a:r>
               <a:rPr lang="en-US" dirty="0" smtClean="0"/>
-              <a:t> 12W.</a:t>
+              <a:t> </a:t>
+            </a:r>
+            <a:r>
+              <a:rPr lang="en-US" dirty="0" smtClean="0"/>
+              <a:t>12F.</a:t>
             </a:r>
             <a:fld id="{9B55653B-1858-43BF-A49A-533C730B553F}" type="slidenum">
               <a:rPr lang="en-US" smtClean="0"/>
@@ -2467,7 +2479,11 @@
             </a:r>
             <a:r>
               <a:rPr lang="en-US" dirty="0" smtClean="0"/>
-              <a:t> 12W.</a:t>
+              <a:t> </a:t>
+            </a:r>
+            <a:r>
+              <a:rPr lang="en-US" dirty="0" smtClean="0"/>
+              <a:t>12F.</a:t>
             </a:r>
             <a:fld id="{4E62291C-8AD8-4AE0-8F6D-A8437E91FB33}" type="slidenum">
               <a:rPr lang="en-US" smtClean="0"/>
@@ -2678,7 +2694,11 @@
             </a:r>
             <a:r>
               <a:rPr lang="en-US" dirty="0" smtClean="0"/>
-              <a:t> 12W.</a:t>
+              <a:t> </a:t>
+            </a:r>
+            <a:r>
+              <a:rPr lang="en-US" dirty="0" smtClean="0"/>
+              <a:t>12F.</a:t>
             </a:r>
             <a:fld id="{7886A709-CED2-48A3-8616-B2655C008ECB}" type="slidenum">
               <a:rPr lang="en-US" smtClean="0"/>
@@ -2774,7 +2794,37 @@
                 <a:uFillTx/>
                 <a:latin typeface="Comic Sans MS" pitchFamily="66" charset="0"/>
               </a:rPr>
-              <a:t>Albert R Meyer,            May 2, 2012</a:t>
+              <a:t>Albert R Meyer,            May </a:t>
+            </a:r>
+            <a:r>
+              <a:rPr kumimoji="0" lang="en-US" sz="1200" b="0" i="0" u="none" strike="noStrike" kern="1200" cap="none" spc="0" normalizeH="0" baseline="0" noProof="0" dirty="0" smtClean="0">
+                <a:ln>
+                  <a:noFill/>
+                </a:ln>
+                <a:solidFill>
+                  <a:schemeClr val="tx1"/>
+                </a:solidFill>
+                <a:effectLst/>
+                <a:uLnTx/>
+                <a:uFillTx/>
+                <a:latin typeface="Comic Sans MS" pitchFamily="66" charset="0"/>
+              </a:rPr>
+              <a:t>4, </a:t>
+            </a:r>
+            <a:r>
+              <a:rPr kumimoji="0" lang="en-US" sz="1200" b="0" i="0" u="none" strike="noStrike" kern="1200" cap="none" spc="0" normalizeH="0" baseline="0" noProof="0" dirty="0" smtClean="0">
+                <a:ln>
+                  <a:noFill/>
+                </a:ln>
+                <a:solidFill>
+                  <a:schemeClr val="tx1"/>
+                </a:solidFill>
+                <a:effectLst/>
+                <a:uLnTx/>
+                <a:uFillTx/>
+                <a:latin typeface="Comic Sans MS" pitchFamily="66" charset="0"/>
+              </a:rPr>
+              <a:t>2012</a:t>
             </a:r>
             <a:endParaRPr kumimoji="0" lang="en-US" sz="1200" b="0" i="0" u="none" strike="noStrike" kern="1200" cap="none" spc="0" normalizeH="0" baseline="0" noProof="0" dirty="0">
               <a:ln>
@@ -3408,7 +3458,11 @@
             </a:r>
             <a:r>
               <a:rPr lang="en-US" dirty="0" smtClean="0"/>
-              <a:t> 12W.</a:t>
+              <a:t> </a:t>
+            </a:r>
+            <a:r>
+              <a:rPr lang="en-US" dirty="0" smtClean="0"/>
+              <a:t>12F.</a:t>
             </a:r>
             <a:fld id="{93DA0692-DAF7-4AFE-9BE7-E02439D3694A}" type="slidenum">
               <a:rPr lang="en-US" smtClean="0"/>
@@ -3593,7 +3647,14 @@
                 <a:latin typeface="Comic Sans MS"/>
                 <a:cs typeface="Comic Sans MS"/>
               </a:rPr>
-              <a:t> 12W.</a:t>
+              <a:t> </a:t>
+            </a:r>
+            <a:r>
+              <a:rPr lang="en-US" sz="1200" dirty="0" smtClean="0">
+                <a:latin typeface="Comic Sans MS"/>
+                <a:cs typeface="Comic Sans MS"/>
+              </a:rPr>
+              <a:t>12F.</a:t>
             </a:r>
             <a:fld id="{93DA0692-DAF7-4AFE-9BE7-E02439D3694A}" type="slidenum">
               <a:rPr lang="en-US" sz="1200" smtClean="0">
@@ -3634,7 +3695,7 @@
           <a:graphicData uri="http://schemas.openxmlformats.org/presentationml/2006/ole">
             <mc:AlternateContent xmlns:mc="http://schemas.openxmlformats.org/markup-compatibility/2006">
               <mc:Choice xmlns:v="urn:schemas-microsoft-com:vml" Requires="v">
-                <p:oleObj spid="_x0000_s227372" name="Equation" r:id="rId4" imgW="279400" imgH="508000" progId="Equation.DSMT4">
+                <p:oleObj spid="_x0000_s227375" name="Equation" r:id="rId4" imgW="279400" imgH="508000" progId="Equation.DSMT4">
                   <p:embed/>
                 </p:oleObj>
               </mc:Choice>
@@ -4210,7 +4271,14 @@
                 <a:latin typeface="Comic Sans MS"/>
                 <a:cs typeface="Comic Sans MS"/>
               </a:rPr>
-              <a:t> 12W.</a:t>
+              <a:t> </a:t>
+            </a:r>
+            <a:r>
+              <a:rPr lang="en-US" sz="1200" dirty="0" smtClean="0">
+                <a:latin typeface="Comic Sans MS"/>
+                <a:cs typeface="Comic Sans MS"/>
+              </a:rPr>
+              <a:t>12F.</a:t>
             </a:r>
             <a:fld id="{93DA0692-DAF7-4AFE-9BE7-E02439D3694A}" type="slidenum">
               <a:rPr lang="en-US" sz="1200" smtClean="0">
@@ -4994,7 +5062,14 @@
                 <a:latin typeface="Comic Sans MS"/>
                 <a:cs typeface="Comic Sans MS"/>
               </a:rPr>
-              <a:t> 12W.</a:t>
+              <a:t> </a:t>
+            </a:r>
+            <a:r>
+              <a:rPr lang="en-US" sz="1200" dirty="0" smtClean="0">
+                <a:latin typeface="Comic Sans MS"/>
+                <a:cs typeface="Comic Sans MS"/>
+              </a:rPr>
+              <a:t>12F.</a:t>
             </a:r>
             <a:fld id="{93DA0692-DAF7-4AFE-9BE7-E02439D3694A}" type="slidenum">
               <a:rPr lang="en-US" sz="1200" smtClean="0">
@@ -5600,7 +5675,7 @@
           <a:graphicData uri="http://schemas.openxmlformats.org/presentationml/2006/ole">
             <mc:AlternateContent xmlns:mc="http://schemas.openxmlformats.org/markup-compatibility/2006">
               <mc:Choice xmlns:v="urn:schemas-microsoft-com:vml" Requires="v">
-                <p:oleObj spid="_x0000_s231467" name="Equation" r:id="rId4" imgW="2209800" imgH="508000" progId="Equation.DSMT4">
+                <p:oleObj spid="_x0000_s231470" name="Equation" r:id="rId4" imgW="2209800" imgH="508000" progId="Equation.DSMT4">
                   <p:embed/>
                 </p:oleObj>
               </mc:Choice>
@@ -5783,7 +5858,14 @@
                 <a:latin typeface="Comic Sans MS"/>
                 <a:cs typeface="Comic Sans MS"/>
               </a:rPr>
-              <a:t> 12W.</a:t>
+              <a:t> </a:t>
+            </a:r>
+            <a:r>
+              <a:rPr lang="en-US" sz="1200" dirty="0" smtClean="0">
+                <a:latin typeface="Comic Sans MS"/>
+                <a:cs typeface="Comic Sans MS"/>
+              </a:rPr>
+              <a:t>12F.</a:t>
             </a:r>
             <a:fld id="{93DA0692-DAF7-4AFE-9BE7-E02439D3694A}" type="slidenum">
               <a:rPr lang="en-US" sz="1200" smtClean="0">
@@ -6144,7 +6226,11 @@
             </a:r>
             <a:r>
               <a:rPr lang="en-US" dirty="0" smtClean="0"/>
-              <a:t> 12W.</a:t>
+              <a:t> </a:t>
+            </a:r>
+            <a:r>
+              <a:rPr lang="en-US" dirty="0" smtClean="0"/>
+              <a:t>12F.</a:t>
             </a:r>
             <a:fld id="{93DA0692-DAF7-4AFE-9BE7-E02439D3694A}" type="slidenum">
               <a:rPr lang="en-US" smtClean="0"/>
@@ -6527,7 +6613,14 @@
                 <a:latin typeface="Comic Sans MS"/>
                 <a:cs typeface="Comic Sans MS"/>
               </a:rPr>
-              <a:t> 12W.</a:t>
+              <a:t> </a:t>
+            </a:r>
+            <a:r>
+              <a:rPr lang="en-US" sz="1200" dirty="0" smtClean="0">
+                <a:latin typeface="Comic Sans MS"/>
+                <a:cs typeface="Comic Sans MS"/>
+              </a:rPr>
+              <a:t>12F.</a:t>
             </a:r>
             <a:fld id="{93DA0692-DAF7-4AFE-9BE7-E02439D3694A}" type="slidenum">
               <a:rPr lang="en-US" sz="1200" smtClean="0">
@@ -7107,7 +7200,11 @@
             </a:r>
             <a:r>
               <a:rPr lang="en-US" dirty="0" smtClean="0"/>
-              <a:t> 12W.</a:t>
+              <a:t> </a:t>
+            </a:r>
+            <a:r>
+              <a:rPr lang="en-US" dirty="0" smtClean="0"/>
+              <a:t>12F.</a:t>
             </a:r>
             <a:fld id="{93DA0692-DAF7-4AFE-9BE7-E02439D3694A}" type="slidenum">
               <a:rPr lang="en-US" smtClean="0"/>
@@ -7720,7 +7817,11 @@
             </a:r>
             <a:r>
               <a:rPr lang="en-US" dirty="0" smtClean="0"/>
-              <a:t> 12W.</a:t>
+              <a:t> </a:t>
+            </a:r>
+            <a:r>
+              <a:rPr lang="en-US" dirty="0" smtClean="0"/>
+              <a:t>12F.</a:t>
             </a:r>
             <a:fld id="{93DA0692-DAF7-4AFE-9BE7-E02439D3694A}" type="slidenum">
               <a:rPr lang="en-US" smtClean="0"/>
@@ -7836,7 +7937,7 @@
           <a:graphicData uri="http://schemas.openxmlformats.org/presentationml/2006/ole">
             <mc:AlternateContent xmlns:mc="http://schemas.openxmlformats.org/markup-compatibility/2006">
               <mc:Choice xmlns:v="urn:schemas-microsoft-com:vml" Requires="v">
-                <p:oleObj spid="_x0000_s562211" name="Equation" r:id="rId4" imgW="152400" imgH="508000" progId="Equation.DSMT4">
+                <p:oleObj spid="_x0000_s562214" name="Equation" r:id="rId4" imgW="152400" imgH="508000" progId="Equation.DSMT4">
                   <p:embed/>
                 </p:oleObj>
               </mc:Choice>
@@ -8678,7 +8779,7 @@
           <a:graphicData uri="http://schemas.openxmlformats.org/presentationml/2006/ole">
             <mc:AlternateContent xmlns:mc="http://schemas.openxmlformats.org/markup-compatibility/2006">
               <mc:Choice xmlns:v="urn:schemas-microsoft-com:vml" Requires="v">
-                <p:oleObj spid="_x0000_s219181" name="Equation" r:id="rId4" imgW="177800" imgH="165100" progId="Equation.DSMT4">
+                <p:oleObj spid="_x0000_s219184" name="Equation" r:id="rId4" imgW="177800" imgH="165100" progId="Equation.DSMT4">
                   <p:embed/>
                 </p:oleObj>
               </mc:Choice>
@@ -8909,7 +9010,14 @@
                 <a:latin typeface="Comic Sans MS"/>
                 <a:cs typeface="Comic Sans MS"/>
               </a:rPr>
-              <a:t> 12W.</a:t>
+              <a:t> </a:t>
+            </a:r>
+            <a:r>
+              <a:rPr lang="en-US" sz="1200" dirty="0" smtClean="0">
+                <a:latin typeface="Comic Sans MS"/>
+                <a:cs typeface="Comic Sans MS"/>
+              </a:rPr>
+              <a:t>12F.</a:t>
             </a:r>
             <a:fld id="{93DA0692-DAF7-4AFE-9BE7-E02439D3694A}" type="slidenum">
               <a:rPr lang="en-US" sz="1200" smtClean="0">
@@ -9862,7 +9970,7 @@
           <a:graphicData uri="http://schemas.openxmlformats.org/presentationml/2006/ole">
             <mc:AlternateContent xmlns:mc="http://schemas.openxmlformats.org/markup-compatibility/2006">
               <mc:Choice xmlns:v="urn:schemas-microsoft-com:vml" Requires="v">
-                <p:oleObj spid="_x0000_s221226" name="Equation" r:id="rId4" imgW="914400" imgH="220320" progId="Equation.DSMT4">
+                <p:oleObj spid="_x0000_s221229" name="Equation" r:id="rId4" imgW="914400" imgH="220320" progId="Equation.DSMT4">
                   <p:embed/>
                 </p:oleObj>
               </mc:Choice>
@@ -9954,7 +10062,14 @@
                 <a:latin typeface="Comic Sans MS"/>
                 <a:cs typeface="Comic Sans MS"/>
               </a:rPr>
-              <a:t> 12W.</a:t>
+              <a:t> </a:t>
+            </a:r>
+            <a:r>
+              <a:rPr lang="en-US" sz="1200" dirty="0" smtClean="0">
+                <a:latin typeface="Comic Sans MS"/>
+                <a:cs typeface="Comic Sans MS"/>
+              </a:rPr>
+              <a:t>12F.</a:t>
             </a:r>
             <a:fld id="{93DA0692-DAF7-4AFE-9BE7-E02439D3694A}" type="slidenum">
               <a:rPr lang="en-US" sz="1200" smtClean="0">
@@ -10893,7 +11008,7 @@
           <a:graphicData uri="http://schemas.openxmlformats.org/presentationml/2006/ole">
             <mc:AlternateContent xmlns:mc="http://schemas.openxmlformats.org/markup-compatibility/2006">
               <mc:Choice xmlns:v="urn:schemas-microsoft-com:vml" Requires="v">
-                <p:oleObj spid="_x0000_s223274" name="Equation" r:id="rId4" imgW="914400" imgH="220320" progId="Equation.DSMT4">
+                <p:oleObj spid="_x0000_s223277" name="Equation" r:id="rId4" imgW="914400" imgH="220320" progId="Equation.DSMT4">
                   <p:embed/>
                 </p:oleObj>
               </mc:Choice>
@@ -11179,7 +11294,14 @@
                 <a:latin typeface="Comic Sans MS"/>
                 <a:cs typeface="Comic Sans MS"/>
               </a:rPr>
-              <a:t> 12W.</a:t>
+              <a:t> </a:t>
+            </a:r>
+            <a:r>
+              <a:rPr lang="en-US" sz="1200" dirty="0" smtClean="0">
+                <a:latin typeface="Comic Sans MS"/>
+                <a:cs typeface="Comic Sans MS"/>
+              </a:rPr>
+              <a:t>12F.</a:t>
             </a:r>
             <a:fld id="{93DA0692-DAF7-4AFE-9BE7-E02439D3694A}" type="slidenum">
               <a:rPr lang="en-US" sz="1200" smtClean="0">
@@ -12327,7 +12449,7 @@
           <a:graphicData uri="http://schemas.openxmlformats.org/presentationml/2006/ole">
             <mc:AlternateContent xmlns:mc="http://schemas.openxmlformats.org/markup-compatibility/2006">
               <mc:Choice xmlns:v="urn:schemas-microsoft-com:vml" Requires="v">
-                <p:oleObj spid="_x0000_s225324" name="Equation" r:id="rId4" imgW="914400" imgH="220320" progId="Equation.DSMT4">
+                <p:oleObj spid="_x0000_s225327" name="Equation" r:id="rId4" imgW="914400" imgH="220320" progId="Equation.DSMT4">
                   <p:embed/>
                 </p:oleObj>
               </mc:Choice>
@@ -12419,7 +12541,14 @@
                 <a:latin typeface="Comic Sans MS"/>
                 <a:cs typeface="Comic Sans MS"/>
               </a:rPr>
-              <a:t> 12W.</a:t>
+              <a:t> </a:t>
+            </a:r>
+            <a:r>
+              <a:rPr lang="en-US" sz="1200" dirty="0" smtClean="0">
+                <a:latin typeface="Comic Sans MS"/>
+                <a:cs typeface="Comic Sans MS"/>
+              </a:rPr>
+              <a:t>12F.</a:t>
             </a:r>
             <a:fld id="{93DA0692-DAF7-4AFE-9BE7-E02439D3694A}" type="slidenum">
               <a:rPr lang="en-US" sz="1200" smtClean="0">

--- a/spring12/slidesS12/time-to-fail.pptx
+++ b/spring12/slidesS12/time-to-fail.pptx
@@ -2127,11 +2127,7 @@
             </a:r>
             <a:r>
               <a:rPr lang="en-US" dirty="0" smtClean="0"/>
-              <a:t> </a:t>
-            </a:r>
-            <a:r>
-              <a:rPr lang="en-US" dirty="0" smtClean="0"/>
-              <a:t>12F.</a:t>
+              <a:t> 12F.</a:t>
             </a:r>
             <a:fld id="{FC9265C7-2444-489D-860F-86AAC4235083}" type="slidenum">
               <a:rPr lang="en-US" smtClean="0"/>
@@ -2306,11 +2302,7 @@
             </a:r>
             <a:r>
               <a:rPr lang="en-US" dirty="0" smtClean="0"/>
-              <a:t> </a:t>
-            </a:r>
-            <a:r>
-              <a:rPr lang="en-US" dirty="0" smtClean="0"/>
-              <a:t>12F.</a:t>
+              <a:t> 12F.</a:t>
             </a:r>
             <a:fld id="{7886A709-CED2-48A3-8616-B2655C008ECB}" type="slidenum">
               <a:rPr lang="en-US" smtClean="0"/>
@@ -2406,11 +2398,7 @@
             </a:r>
             <a:r>
               <a:rPr lang="en-US" dirty="0" smtClean="0"/>
-              <a:t> </a:t>
-            </a:r>
-            <a:r>
-              <a:rPr lang="en-US" dirty="0" smtClean="0"/>
-              <a:t>12F.</a:t>
+              <a:t> 12F.</a:t>
             </a:r>
             <a:fld id="{9B55653B-1858-43BF-A49A-533C730B553F}" type="slidenum">
               <a:rPr lang="en-US" smtClean="0"/>
@@ -2479,11 +2467,7 @@
             </a:r>
             <a:r>
               <a:rPr lang="en-US" dirty="0" smtClean="0"/>
-              <a:t> </a:t>
-            </a:r>
-            <a:r>
-              <a:rPr lang="en-US" dirty="0" smtClean="0"/>
-              <a:t>12F.</a:t>
+              <a:t> 12F.</a:t>
             </a:r>
             <a:fld id="{4E62291C-8AD8-4AE0-8F6D-A8437E91FB33}" type="slidenum">
               <a:rPr lang="en-US" smtClean="0"/>
@@ -2694,11 +2678,7 @@
             </a:r>
             <a:r>
               <a:rPr lang="en-US" dirty="0" smtClean="0"/>
-              <a:t> </a:t>
-            </a:r>
-            <a:r>
-              <a:rPr lang="en-US" dirty="0" smtClean="0"/>
-              <a:t>12F.</a:t>
+              <a:t> 12F.</a:t>
             </a:r>
             <a:fld id="{7886A709-CED2-48A3-8616-B2655C008ECB}" type="slidenum">
               <a:rPr lang="en-US" smtClean="0"/>
@@ -2794,37 +2774,7 @@
                 <a:uFillTx/>
                 <a:latin typeface="Comic Sans MS" pitchFamily="66" charset="0"/>
               </a:rPr>
-              <a:t>Albert R Meyer,            May </a:t>
-            </a:r>
-            <a:r>
-              <a:rPr kumimoji="0" lang="en-US" sz="1200" b="0" i="0" u="none" strike="noStrike" kern="1200" cap="none" spc="0" normalizeH="0" baseline="0" noProof="0" dirty="0" smtClean="0">
-                <a:ln>
-                  <a:noFill/>
-                </a:ln>
-                <a:solidFill>
-                  <a:schemeClr val="tx1"/>
-                </a:solidFill>
-                <a:effectLst/>
-                <a:uLnTx/>
-                <a:uFillTx/>
-                <a:latin typeface="Comic Sans MS" pitchFamily="66" charset="0"/>
-              </a:rPr>
-              <a:t>4, </a:t>
-            </a:r>
-            <a:r>
-              <a:rPr kumimoji="0" lang="en-US" sz="1200" b="0" i="0" u="none" strike="noStrike" kern="1200" cap="none" spc="0" normalizeH="0" baseline="0" noProof="0" dirty="0" smtClean="0">
-                <a:ln>
-                  <a:noFill/>
-                </a:ln>
-                <a:solidFill>
-                  <a:schemeClr val="tx1"/>
-                </a:solidFill>
-                <a:effectLst/>
-                <a:uLnTx/>
-                <a:uFillTx/>
-                <a:latin typeface="Comic Sans MS" pitchFamily="66" charset="0"/>
-              </a:rPr>
-              <a:t>2012</a:t>
+              <a:t>Albert R Meyer,            May 4, 2012</a:t>
             </a:r>
             <a:endParaRPr kumimoji="0" lang="en-US" sz="1200" b="0" i="0" u="none" strike="noStrike" kern="1200" cap="none" spc="0" normalizeH="0" baseline="0" noProof="0" dirty="0">
               <a:ln>
@@ -3458,11 +3408,7 @@
             </a:r>
             <a:r>
               <a:rPr lang="en-US" dirty="0" smtClean="0"/>
-              <a:t> </a:t>
-            </a:r>
-            <a:r>
-              <a:rPr lang="en-US" dirty="0" smtClean="0"/>
-              <a:t>12F.</a:t>
+              <a:t> 12F.</a:t>
             </a:r>
             <a:fld id="{93DA0692-DAF7-4AFE-9BE7-E02439D3694A}" type="slidenum">
               <a:rPr lang="en-US" smtClean="0"/>
@@ -3647,14 +3593,7 @@
                 <a:latin typeface="Comic Sans MS"/>
                 <a:cs typeface="Comic Sans MS"/>
               </a:rPr>
-              <a:t> </a:t>
-            </a:r>
-            <a:r>
-              <a:rPr lang="en-US" sz="1200" dirty="0" smtClean="0">
-                <a:latin typeface="Comic Sans MS"/>
-                <a:cs typeface="Comic Sans MS"/>
-              </a:rPr>
-              <a:t>12F.</a:t>
+              <a:t> 12F.</a:t>
             </a:r>
             <a:fld id="{93DA0692-DAF7-4AFE-9BE7-E02439D3694A}" type="slidenum">
               <a:rPr lang="en-US" sz="1200" smtClean="0">
@@ -3695,7 +3634,7 @@
           <a:graphicData uri="http://schemas.openxmlformats.org/presentationml/2006/ole">
             <mc:AlternateContent xmlns:mc="http://schemas.openxmlformats.org/markup-compatibility/2006">
               <mc:Choice xmlns:v="urn:schemas-microsoft-com:vml" Requires="v">
-                <p:oleObj spid="_x0000_s227375" name="Equation" r:id="rId4" imgW="279400" imgH="508000" progId="Equation.DSMT4">
+                <p:oleObj spid="_x0000_s227377" name="Equation" r:id="rId4" imgW="279400" imgH="508000" progId="Equation.DSMT4">
                   <p:embed/>
                 </p:oleObj>
               </mc:Choice>
@@ -4271,14 +4210,7 @@
                 <a:latin typeface="Comic Sans MS"/>
                 <a:cs typeface="Comic Sans MS"/>
               </a:rPr>
-              <a:t> </a:t>
-            </a:r>
-            <a:r>
-              <a:rPr lang="en-US" sz="1200" dirty="0" smtClean="0">
-                <a:latin typeface="Comic Sans MS"/>
-                <a:cs typeface="Comic Sans MS"/>
-              </a:rPr>
-              <a:t>12F.</a:t>
+              <a:t> 12F.</a:t>
             </a:r>
             <a:fld id="{93DA0692-DAF7-4AFE-9BE7-E02439D3694A}" type="slidenum">
               <a:rPr lang="en-US" sz="1200" smtClean="0">
@@ -4702,7 +4634,7 @@
 </file>
 
 <file path=ppt/slides/slide12.xml><?xml version="1.0" encoding="utf-8"?>
-<p:sld xmlns:a="http://schemas.openxmlformats.org/drawingml/2006/main" xmlns:r="http://schemas.openxmlformats.org/officeDocument/2006/relationships" xmlns:p="http://schemas.openxmlformats.org/presentationml/2006/main">
+<p:sld xmlns:a="http://schemas.openxmlformats.org/drawingml/2006/main" xmlns:r="http://schemas.openxmlformats.org/officeDocument/2006/relationships" xmlns:p="http://schemas.openxmlformats.org/presentationml/2006/main" show="0">
   <p:cSld>
     <p:spTree>
       <p:nvGrpSpPr>
@@ -5062,14 +4994,7 @@
                 <a:latin typeface="Comic Sans MS"/>
                 <a:cs typeface="Comic Sans MS"/>
               </a:rPr>
-              <a:t> </a:t>
-            </a:r>
-            <a:r>
-              <a:rPr lang="en-US" sz="1200" dirty="0" smtClean="0">
-                <a:latin typeface="Comic Sans MS"/>
-                <a:cs typeface="Comic Sans MS"/>
-              </a:rPr>
-              <a:t>12F.</a:t>
+              <a:t> 12F.</a:t>
             </a:r>
             <a:fld id="{93DA0692-DAF7-4AFE-9BE7-E02439D3694A}" type="slidenum">
               <a:rPr lang="en-US" sz="1200" smtClean="0">
@@ -5093,13 +5018,13 @@
   <p:clrMapOvr>
     <a:masterClrMapping/>
   </p:clrMapOvr>
-  <mc:AlternateContent xmlns:mc="http://schemas.openxmlformats.org/markup-compatibility/2006" xmlns:p14="http://schemas.microsoft.com/office/powerpoint/2010/main">
-    <mc:Choice Requires="p14">
+  <mc:AlternateContent xmlns:mc="http://schemas.openxmlformats.org/markup-compatibility/2006">
+    <mc:Choice xmlns:p14="http://schemas.microsoft.com/office/powerpoint/2010/main" Requires="p14">
       <p:transition spd="slow" p14:dur="1200">
         <p:fade thruBlk="1"/>
       </p:transition>
     </mc:Choice>
-    <mc:Fallback xmlns="">
+    <mc:Fallback>
       <p:transition xmlns:p14="http://schemas.microsoft.com/office/powerpoint/2010/main" spd="slow">
         <p:fade thruBlk="1"/>
       </p:transition>
@@ -5551,7 +5476,7 @@
 </file>
 
 <file path=ppt/slides/slide13.xml><?xml version="1.0" encoding="utf-8"?>
-<p:sld xmlns:a="http://schemas.openxmlformats.org/drawingml/2006/main" xmlns:r="http://schemas.openxmlformats.org/officeDocument/2006/relationships" xmlns:p="http://schemas.openxmlformats.org/presentationml/2006/main">
+<p:sld xmlns:a="http://schemas.openxmlformats.org/drawingml/2006/main" xmlns:r="http://schemas.openxmlformats.org/officeDocument/2006/relationships" xmlns:p="http://schemas.openxmlformats.org/presentationml/2006/main" show="0">
   <p:cSld>
     <p:spTree>
       <p:nvGrpSpPr>
@@ -5675,7 +5600,7 @@
           <a:graphicData uri="http://schemas.openxmlformats.org/presentationml/2006/ole">
             <mc:AlternateContent xmlns:mc="http://schemas.openxmlformats.org/markup-compatibility/2006">
               <mc:Choice xmlns:v="urn:schemas-microsoft-com:vml" Requires="v">
-                <p:oleObj spid="_x0000_s231470" name="Equation" r:id="rId4" imgW="2209800" imgH="508000" progId="Equation.DSMT4">
+                <p:oleObj spid="_x0000_s231472" name="Equation" r:id="rId4" imgW="2209800" imgH="508000" progId="Equation.DSMT4">
                   <p:embed/>
                 </p:oleObj>
               </mc:Choice>
@@ -5858,14 +5783,7 @@
                 <a:latin typeface="Comic Sans MS"/>
                 <a:cs typeface="Comic Sans MS"/>
               </a:rPr>
-              <a:t> </a:t>
-            </a:r>
-            <a:r>
-              <a:rPr lang="en-US" sz="1200" dirty="0" smtClean="0">
-                <a:latin typeface="Comic Sans MS"/>
-                <a:cs typeface="Comic Sans MS"/>
-              </a:rPr>
-              <a:t>12F.</a:t>
+              <a:t> 12F.</a:t>
             </a:r>
             <a:fld id="{93DA0692-DAF7-4AFE-9BE7-E02439D3694A}" type="slidenum">
               <a:rPr lang="en-US" sz="1200" smtClean="0">
@@ -5915,13 +5833,13 @@
   <p:clrMapOvr>
     <a:masterClrMapping/>
   </p:clrMapOvr>
-  <mc:AlternateContent xmlns:mc="http://schemas.openxmlformats.org/markup-compatibility/2006" xmlns:p14="http://schemas.microsoft.com/office/powerpoint/2010/main">
-    <mc:Choice Requires="p14">
+  <mc:AlternateContent xmlns:mc="http://schemas.openxmlformats.org/markup-compatibility/2006">
+    <mc:Choice xmlns:p14="http://schemas.microsoft.com/office/powerpoint/2010/main" Requires="p14">
       <p:transition spd="slow" p14:dur="1200">
         <p:fade/>
       </p:transition>
     </mc:Choice>
-    <mc:Fallback xmlns="">
+    <mc:Fallback>
       <p:transition xmlns:p14="http://schemas.microsoft.com/office/powerpoint/2010/main" spd="slow">
         <p:fade/>
       </p:transition>
@@ -6226,11 +6144,7 @@
             </a:r>
             <a:r>
               <a:rPr lang="en-US" dirty="0" smtClean="0"/>
-              <a:t> </a:t>
-            </a:r>
-            <a:r>
-              <a:rPr lang="en-US" dirty="0" smtClean="0"/>
-              <a:t>12F.</a:t>
+              <a:t> 12F.</a:t>
             </a:r>
             <a:fld id="{93DA0692-DAF7-4AFE-9BE7-E02439D3694A}" type="slidenum">
               <a:rPr lang="en-US" smtClean="0"/>
@@ -6613,14 +6527,7 @@
                 <a:latin typeface="Comic Sans MS"/>
                 <a:cs typeface="Comic Sans MS"/>
               </a:rPr>
-              <a:t> </a:t>
-            </a:r>
-            <a:r>
-              <a:rPr lang="en-US" sz="1200" dirty="0" smtClean="0">
-                <a:latin typeface="Comic Sans MS"/>
-                <a:cs typeface="Comic Sans MS"/>
-              </a:rPr>
-              <a:t>12F.</a:t>
+              <a:t> 12F.</a:t>
             </a:r>
             <a:fld id="{93DA0692-DAF7-4AFE-9BE7-E02439D3694A}" type="slidenum">
               <a:rPr lang="en-US" sz="1200" smtClean="0">
@@ -7200,11 +7107,7 @@
             </a:r>
             <a:r>
               <a:rPr lang="en-US" dirty="0" smtClean="0"/>
-              <a:t> </a:t>
-            </a:r>
-            <a:r>
-              <a:rPr lang="en-US" dirty="0" smtClean="0"/>
-              <a:t>12F.</a:t>
+              <a:t> 12F.</a:t>
             </a:r>
             <a:fld id="{93DA0692-DAF7-4AFE-9BE7-E02439D3694A}" type="slidenum">
               <a:rPr lang="en-US" smtClean="0"/>
@@ -7817,11 +7720,7 @@
             </a:r>
             <a:r>
               <a:rPr lang="en-US" dirty="0" smtClean="0"/>
-              <a:t> </a:t>
-            </a:r>
-            <a:r>
-              <a:rPr lang="en-US" dirty="0" smtClean="0"/>
-              <a:t>12F.</a:t>
+              <a:t> 12F.</a:t>
             </a:r>
             <a:fld id="{93DA0692-DAF7-4AFE-9BE7-E02439D3694A}" type="slidenum">
               <a:rPr lang="en-US" smtClean="0"/>
@@ -7937,7 +7836,7 @@
           <a:graphicData uri="http://schemas.openxmlformats.org/presentationml/2006/ole">
             <mc:AlternateContent xmlns:mc="http://schemas.openxmlformats.org/markup-compatibility/2006">
               <mc:Choice xmlns:v="urn:schemas-microsoft-com:vml" Requires="v">
-                <p:oleObj spid="_x0000_s562214" name="Equation" r:id="rId4" imgW="152400" imgH="508000" progId="Equation.DSMT4">
+                <p:oleObj spid="_x0000_s562216" name="Equation" r:id="rId4" imgW="152400" imgH="508000" progId="Equation.DSMT4">
                   <p:embed/>
                 </p:oleObj>
               </mc:Choice>
@@ -8779,7 +8678,7 @@
           <a:graphicData uri="http://schemas.openxmlformats.org/presentationml/2006/ole">
             <mc:AlternateContent xmlns:mc="http://schemas.openxmlformats.org/markup-compatibility/2006">
               <mc:Choice xmlns:v="urn:schemas-microsoft-com:vml" Requires="v">
-                <p:oleObj spid="_x0000_s219184" name="Equation" r:id="rId4" imgW="177800" imgH="165100" progId="Equation.DSMT4">
+                <p:oleObj spid="_x0000_s219186" name="Equation" r:id="rId4" imgW="177800" imgH="165100" progId="Equation.DSMT4">
                   <p:embed/>
                 </p:oleObj>
               </mc:Choice>
@@ -9010,14 +8909,7 @@
                 <a:latin typeface="Comic Sans MS"/>
                 <a:cs typeface="Comic Sans MS"/>
               </a:rPr>
-              <a:t> </a:t>
-            </a:r>
-            <a:r>
-              <a:rPr lang="en-US" sz="1200" dirty="0" smtClean="0">
-                <a:latin typeface="Comic Sans MS"/>
-                <a:cs typeface="Comic Sans MS"/>
-              </a:rPr>
-              <a:t>12F.</a:t>
+              <a:t> 12F.</a:t>
             </a:r>
             <a:fld id="{93DA0692-DAF7-4AFE-9BE7-E02439D3694A}" type="slidenum">
               <a:rPr lang="en-US" sz="1200" smtClean="0">
@@ -9970,7 +9862,7 @@
           <a:graphicData uri="http://schemas.openxmlformats.org/presentationml/2006/ole">
             <mc:AlternateContent xmlns:mc="http://schemas.openxmlformats.org/markup-compatibility/2006">
               <mc:Choice xmlns:v="urn:schemas-microsoft-com:vml" Requires="v">
-                <p:oleObj spid="_x0000_s221229" name="Equation" r:id="rId4" imgW="914400" imgH="220320" progId="Equation.DSMT4">
+                <p:oleObj spid="_x0000_s221231" name="Equation" r:id="rId4" imgW="914400" imgH="220320" progId="Equation.DSMT4">
                   <p:embed/>
                 </p:oleObj>
               </mc:Choice>
@@ -10062,14 +9954,7 @@
                 <a:latin typeface="Comic Sans MS"/>
                 <a:cs typeface="Comic Sans MS"/>
               </a:rPr>
-              <a:t> </a:t>
-            </a:r>
-            <a:r>
-              <a:rPr lang="en-US" sz="1200" dirty="0" smtClean="0">
-                <a:latin typeface="Comic Sans MS"/>
-                <a:cs typeface="Comic Sans MS"/>
-              </a:rPr>
-              <a:t>12F.</a:t>
+              <a:t> 12F.</a:t>
             </a:r>
             <a:fld id="{93DA0692-DAF7-4AFE-9BE7-E02439D3694A}" type="slidenum">
               <a:rPr lang="en-US" sz="1200" smtClean="0">
@@ -11008,7 +10893,7 @@
           <a:graphicData uri="http://schemas.openxmlformats.org/presentationml/2006/ole">
             <mc:AlternateContent xmlns:mc="http://schemas.openxmlformats.org/markup-compatibility/2006">
               <mc:Choice xmlns:v="urn:schemas-microsoft-com:vml" Requires="v">
-                <p:oleObj spid="_x0000_s223277" name="Equation" r:id="rId4" imgW="914400" imgH="220320" progId="Equation.DSMT4">
+                <p:oleObj spid="_x0000_s223279" name="Equation" r:id="rId4" imgW="914400" imgH="220320" progId="Equation.DSMT4">
                   <p:embed/>
                 </p:oleObj>
               </mc:Choice>
@@ -11294,14 +11179,7 @@
                 <a:latin typeface="Comic Sans MS"/>
                 <a:cs typeface="Comic Sans MS"/>
               </a:rPr>
-              <a:t> </a:t>
-            </a:r>
-            <a:r>
-              <a:rPr lang="en-US" sz="1200" dirty="0" smtClean="0">
-                <a:latin typeface="Comic Sans MS"/>
-                <a:cs typeface="Comic Sans MS"/>
-              </a:rPr>
-              <a:t>12F.</a:t>
+              <a:t> 12F.</a:t>
             </a:r>
             <a:fld id="{93DA0692-DAF7-4AFE-9BE7-E02439D3694A}" type="slidenum">
               <a:rPr lang="en-US" sz="1200" smtClean="0">
@@ -12449,7 +12327,7 @@
           <a:graphicData uri="http://schemas.openxmlformats.org/presentationml/2006/ole">
             <mc:AlternateContent xmlns:mc="http://schemas.openxmlformats.org/markup-compatibility/2006">
               <mc:Choice xmlns:v="urn:schemas-microsoft-com:vml" Requires="v">
-                <p:oleObj spid="_x0000_s225327" name="Equation" r:id="rId4" imgW="914400" imgH="220320" progId="Equation.DSMT4">
+                <p:oleObj spid="_x0000_s225329" name="Equation" r:id="rId4" imgW="914400" imgH="220320" progId="Equation.DSMT4">
                   <p:embed/>
                 </p:oleObj>
               </mc:Choice>
@@ -12541,14 +12419,7 @@
                 <a:latin typeface="Comic Sans MS"/>
                 <a:cs typeface="Comic Sans MS"/>
               </a:rPr>
-              <a:t> </a:t>
-            </a:r>
-            <a:r>
-              <a:rPr lang="en-US" sz="1200" dirty="0" smtClean="0">
-                <a:latin typeface="Comic Sans MS"/>
-                <a:cs typeface="Comic Sans MS"/>
-              </a:rPr>
-              <a:t>12F.</a:t>
+              <a:t> 12F.</a:t>
             </a:r>
             <a:fld id="{93DA0692-DAF7-4AFE-9BE7-E02439D3694A}" type="slidenum">
               <a:rPr lang="en-US" sz="1200" smtClean="0">

--- a/spring12/slidesS12/time-to-fail.pptx
+++ b/spring12/slidesS12/time-to-fail.pptx
@@ -3634,7 +3634,7 @@
           <a:graphicData uri="http://schemas.openxmlformats.org/presentationml/2006/ole">
             <mc:AlternateContent xmlns:mc="http://schemas.openxmlformats.org/markup-compatibility/2006">
               <mc:Choice xmlns:v="urn:schemas-microsoft-com:vml" Requires="v">
-                <p:oleObj spid="_x0000_s227377" name="Equation" r:id="rId4" imgW="279400" imgH="508000" progId="Equation.DSMT4">
+                <p:oleObj spid="_x0000_s227379" name="Equation" r:id="rId4" imgW="279400" imgH="508000" progId="Equation.DSMT4">
                   <p:embed/>
                 </p:oleObj>
               </mc:Choice>
@@ -5018,13 +5018,13 @@
   <p:clrMapOvr>
     <a:masterClrMapping/>
   </p:clrMapOvr>
-  <mc:AlternateContent xmlns:mc="http://schemas.openxmlformats.org/markup-compatibility/2006">
-    <mc:Choice xmlns:p14="http://schemas.microsoft.com/office/powerpoint/2010/main" Requires="p14">
+  <mc:AlternateContent xmlns:mc="http://schemas.openxmlformats.org/markup-compatibility/2006" xmlns:p14="http://schemas.microsoft.com/office/powerpoint/2010/main">
+    <mc:Choice Requires="p14">
       <p:transition spd="slow" p14:dur="1200">
         <p:fade thruBlk="1"/>
       </p:transition>
     </mc:Choice>
-    <mc:Fallback>
+    <mc:Fallback xmlns="">
       <p:transition xmlns:p14="http://schemas.microsoft.com/office/powerpoint/2010/main" spd="slow">
         <p:fade thruBlk="1"/>
       </p:transition>
@@ -5600,7 +5600,7 @@
           <a:graphicData uri="http://schemas.openxmlformats.org/presentationml/2006/ole">
             <mc:AlternateContent xmlns:mc="http://schemas.openxmlformats.org/markup-compatibility/2006">
               <mc:Choice xmlns:v="urn:schemas-microsoft-com:vml" Requires="v">
-                <p:oleObj spid="_x0000_s231472" name="Equation" r:id="rId4" imgW="2209800" imgH="508000" progId="Equation.DSMT4">
+                <p:oleObj spid="_x0000_s231474" name="Equation" r:id="rId4" imgW="2209800" imgH="508000" progId="Equation.DSMT4">
                   <p:embed/>
                 </p:oleObj>
               </mc:Choice>
@@ -5833,13 +5833,13 @@
   <p:clrMapOvr>
     <a:masterClrMapping/>
   </p:clrMapOvr>
-  <mc:AlternateContent xmlns:mc="http://schemas.openxmlformats.org/markup-compatibility/2006">
-    <mc:Choice xmlns:p14="http://schemas.microsoft.com/office/powerpoint/2010/main" Requires="p14">
+  <mc:AlternateContent xmlns:mc="http://schemas.openxmlformats.org/markup-compatibility/2006" xmlns:p14="http://schemas.microsoft.com/office/powerpoint/2010/main">
+    <mc:Choice Requires="p14">
       <p:transition spd="slow" p14:dur="1200">
         <p:fade/>
       </p:transition>
     </mc:Choice>
-    <mc:Fallback>
+    <mc:Fallback xmlns="">
       <p:transition xmlns:p14="http://schemas.microsoft.com/office/powerpoint/2010/main" spd="slow">
         <p:fade/>
       </p:transition>
@@ -7836,7 +7836,7 @@
           <a:graphicData uri="http://schemas.openxmlformats.org/presentationml/2006/ole">
             <mc:AlternateContent xmlns:mc="http://schemas.openxmlformats.org/markup-compatibility/2006">
               <mc:Choice xmlns:v="urn:schemas-microsoft-com:vml" Requires="v">
-                <p:oleObj spid="_x0000_s562216" name="Equation" r:id="rId4" imgW="152400" imgH="508000" progId="Equation.DSMT4">
+                <p:oleObj spid="_x0000_s562218" name="Equation" r:id="rId4" imgW="152400" imgH="508000" progId="Equation.DSMT4">
                   <p:embed/>
                 </p:oleObj>
               </mc:Choice>
@@ -8678,7 +8678,7 @@
           <a:graphicData uri="http://schemas.openxmlformats.org/presentationml/2006/ole">
             <mc:AlternateContent xmlns:mc="http://schemas.openxmlformats.org/markup-compatibility/2006">
               <mc:Choice xmlns:v="urn:schemas-microsoft-com:vml" Requires="v">
-                <p:oleObj spid="_x0000_s219186" name="Equation" r:id="rId4" imgW="177800" imgH="165100" progId="Equation.DSMT4">
+                <p:oleObj spid="_x0000_s219188" name="Equation" r:id="rId4" imgW="177800" imgH="165100" progId="Equation.DSMT4">
                   <p:embed/>
                 </p:oleObj>
               </mc:Choice>
@@ -9862,7 +9862,7 @@
           <a:graphicData uri="http://schemas.openxmlformats.org/presentationml/2006/ole">
             <mc:AlternateContent xmlns:mc="http://schemas.openxmlformats.org/markup-compatibility/2006">
               <mc:Choice xmlns:v="urn:schemas-microsoft-com:vml" Requires="v">
-                <p:oleObj spid="_x0000_s221231" name="Equation" r:id="rId4" imgW="914400" imgH="220320" progId="Equation.DSMT4">
+                <p:oleObj spid="_x0000_s221233" name="Equation" r:id="rId4" imgW="914400" imgH="220320" progId="Equation.DSMT4">
                   <p:embed/>
                 </p:oleObj>
               </mc:Choice>
@@ -10893,7 +10893,7 @@
           <a:graphicData uri="http://schemas.openxmlformats.org/presentationml/2006/ole">
             <mc:AlternateContent xmlns:mc="http://schemas.openxmlformats.org/markup-compatibility/2006">
               <mc:Choice xmlns:v="urn:schemas-microsoft-com:vml" Requires="v">
-                <p:oleObj spid="_x0000_s223279" name="Equation" r:id="rId4" imgW="914400" imgH="220320" progId="Equation.DSMT4">
+                <p:oleObj spid="_x0000_s223281" name="Equation" r:id="rId4" imgW="914400" imgH="220320" progId="Equation.DSMT4">
                   <p:embed/>
                 </p:oleObj>
               </mc:Choice>
@@ -12327,7 +12327,7 @@
           <a:graphicData uri="http://schemas.openxmlformats.org/presentationml/2006/ole">
             <mc:AlternateContent xmlns:mc="http://schemas.openxmlformats.org/markup-compatibility/2006">
               <mc:Choice xmlns:v="urn:schemas-microsoft-com:vml" Requires="v">
-                <p:oleObj spid="_x0000_s225329" name="Equation" r:id="rId4" imgW="914400" imgH="220320" progId="Equation.DSMT4">
+                <p:oleObj spid="_x0000_s225331" name="Equation" r:id="rId4" imgW="914400" imgH="220320" progId="Equation.DSMT4">
                   <p:embed/>
                 </p:oleObj>
               </mc:Choice>
